--- a/database_architecture/retail_mgmg_system/CS579 Project Presentation.pptx
+++ b/database_architecture/retail_mgmg_system/CS579 Project Presentation.pptx
@@ -7,10 +7,10 @@
   <p:sldIdLst>
     <p:sldId id="256" r:id="rId2"/>
     <p:sldId id="261" r:id="rId3"/>
-    <p:sldId id="257" r:id="rId4"/>
-    <p:sldId id="258" r:id="rId5"/>
+    <p:sldId id="266" r:id="rId4"/>
+    <p:sldId id="267" r:id="rId5"/>
     <p:sldId id="263" r:id="rId6"/>
-    <p:sldId id="260" r:id="rId7"/>
+    <p:sldId id="268" r:id="rId7"/>
   </p:sldIdLst>
   <p:sldSz cx="12192000" cy="6858000"/>
   <p:notesSz cx="6858000" cy="9144000"/>
@@ -6125,23 +6125,297 @@
           <a:p>
             <a:r>
               <a:rPr lang="en-US" dirty="0" smtClean="0"/>
-              <a:t>ERD Diagram</a:t>
+              <a:t>ERD</a:t>
+            </a:r>
+            <a:r>
+              <a:rPr lang="en-US" baseline="0" dirty="0" smtClean="0"/>
+              <a:t> Diagram</a:t>
             </a:r>
             <a:endParaRPr lang="en-US" dirty="0"/>
+          </a:p>
+        </p:txBody>
+      </p:sp>
+      <p:sp>
+        <p:nvSpPr>
+          <p:cNvPr id="4" name="Content Placeholder 3"/>
+          <p:cNvSpPr>
+            <a:spLocks noGrp="1"/>
+          </p:cNvSpPr>
+          <p:nvPr>
+            <p:ph sz="half" idx="2"/>
+          </p:nvPr>
+        </p:nvSpPr>
+        <p:spPr/>
+        <p:txBody>
+          <a:bodyPr>
+            <a:normAutofit fontScale="47500" lnSpcReduction="20000"/>
+          </a:bodyPr>
+          <a:lstStyle/>
+          <a:p>
+            <a:pPr marL="0" lvl="0" indent="0">
+              <a:buNone/>
+            </a:pPr>
+            <a:r>
+              <a:rPr lang="en-US" sz="5900" b="0" baseline="0" dirty="0" smtClean="0"/>
+              <a:t>Seven </a:t>
+            </a:r>
+            <a:r>
+              <a:rPr lang="en-US" sz="5900" baseline="0" dirty="0" smtClean="0"/>
+              <a:t>tables in total:</a:t>
+            </a:r>
+          </a:p>
+          <a:p>
+            <a:pPr marL="742950" lvl="0" indent="-742950">
+              <a:buFont typeface="+mj-lt"/>
+              <a:buAutoNum type="arabicPeriod"/>
+            </a:pPr>
+            <a:r>
+              <a:rPr lang="en-US" sz="4000" b="1" baseline="0" dirty="0" smtClean="0"/>
+              <a:t>EMPLOYEE</a:t>
+            </a:r>
+            <a:r>
+              <a:rPr lang="en-US" sz="4000" b="0" baseline="0" dirty="0" smtClean="0"/>
+              <a:t> – Information about an employee.</a:t>
+            </a:r>
+            <a:endParaRPr lang="en-US" sz="4000" b="1" baseline="0" dirty="0" smtClean="0"/>
+          </a:p>
+          <a:p>
+            <a:pPr marL="742950" lvl="0" indent="-742950">
+              <a:buFont typeface="+mj-lt"/>
+              <a:buAutoNum type="arabicPeriod"/>
+            </a:pPr>
+            <a:r>
+              <a:rPr lang="en-US" sz="4000" b="1" baseline="0" dirty="0" smtClean="0"/>
+              <a:t>ORDER</a:t>
+            </a:r>
+            <a:r>
+              <a:rPr lang="en-US" sz="4000" b="0" baseline="0" dirty="0" smtClean="0"/>
+              <a:t> – Orders placed by a customer.</a:t>
+            </a:r>
+            <a:endParaRPr lang="en-US" sz="4000" b="1" baseline="0" dirty="0" smtClean="0"/>
+          </a:p>
+          <a:p>
+            <a:pPr marL="742950" lvl="0" indent="-742950">
+              <a:buFont typeface="+mj-lt"/>
+              <a:buAutoNum type="arabicPeriod"/>
+            </a:pPr>
+            <a:r>
+              <a:rPr lang="en-US" sz="4000" b="1" baseline="0" dirty="0" smtClean="0"/>
+              <a:t>CUSTOMER</a:t>
+            </a:r>
+            <a:r>
+              <a:rPr lang="en-US" sz="4000" b="0" baseline="0" dirty="0" smtClean="0"/>
+              <a:t> – Information about a customer.</a:t>
+            </a:r>
+            <a:endParaRPr lang="en-US" sz="4000" b="1" baseline="0" dirty="0" smtClean="0"/>
+          </a:p>
+          <a:p>
+            <a:pPr marL="742950" marR="0" lvl="0" indent="-742950" algn="l" defTabSz="914400" rtl="0" eaLnBrk="1" fontAlgn="auto" latinLnBrk="0" hangingPunct="1">
+              <a:lnSpc>
+                <a:spcPct val="90000"/>
+              </a:lnSpc>
+              <a:spcBef>
+                <a:spcPts val="500"/>
+              </a:spcBef>
+              <a:spcAft>
+                <a:spcPts val="0"/>
+              </a:spcAft>
+              <a:buClrTx/>
+              <a:buSzTx/>
+              <a:buFont typeface="+mj-lt"/>
+              <a:buAutoNum type="arabicPeriod"/>
+              <a:tabLst/>
+              <a:defRPr/>
+            </a:pPr>
+            <a:r>
+              <a:rPr lang="en-US" sz="4000" b="1" kern="1200" baseline="0" dirty="0" smtClean="0">
+                <a:gradFill>
+                  <a:gsLst>
+                    <a:gs pos="34000">
+                      <a:schemeClr val="tx1">
+                        <a:lumMod val="93000"/>
+                      </a:schemeClr>
+                    </a:gs>
+                    <a:gs pos="0">
+                      <a:schemeClr val="bg1">
+                        <a:lumMod val="25000"/>
+                        <a:lumOff val="75000"/>
+                      </a:schemeClr>
+                    </a:gs>
+                    <a:gs pos="100000">
+                      <a:schemeClr val="tx2">
+                        <a:lumMod val="0"/>
+                        <a:lumOff val="100000"/>
+                      </a:schemeClr>
+                    </a:gs>
+                  </a:gsLst>
+                  <a:lin ang="4800000" scaled="0"/>
+                </a:gradFill>
+                <a:effectLst/>
+                <a:latin typeface="+mn-lt"/>
+                <a:ea typeface="+mn-ea"/>
+                <a:cs typeface="+mn-cs"/>
+              </a:rPr>
+              <a:t>ITEM</a:t>
+            </a:r>
+            <a:r>
+              <a:rPr lang="en-US" sz="4000" b="0" kern="1200" baseline="0" dirty="0" smtClean="0">
+                <a:gradFill>
+                  <a:gsLst>
+                    <a:gs pos="34000">
+                      <a:schemeClr val="tx1">
+                        <a:lumMod val="93000"/>
+                      </a:schemeClr>
+                    </a:gs>
+                    <a:gs pos="0">
+                      <a:schemeClr val="bg1">
+                        <a:lumMod val="25000"/>
+                        <a:lumOff val="75000"/>
+                      </a:schemeClr>
+                    </a:gs>
+                    <a:gs pos="100000">
+                      <a:schemeClr val="tx2">
+                        <a:lumMod val="0"/>
+                        <a:lumOff val="100000"/>
+                      </a:schemeClr>
+                    </a:gs>
+                  </a:gsLst>
+                  <a:lin ang="4800000" scaled="0"/>
+                </a:gradFill>
+                <a:effectLst/>
+                <a:latin typeface="+mn-lt"/>
+                <a:ea typeface="+mn-ea"/>
+                <a:cs typeface="+mn-cs"/>
+              </a:rPr>
+              <a:t> – An item that has been sold at one point.</a:t>
+            </a:r>
+            <a:endParaRPr lang="en-US" sz="4000" b="1" baseline="0" dirty="0" smtClean="0"/>
+          </a:p>
+          <a:p>
+            <a:pPr marL="742950" lvl="0" indent="-742950">
+              <a:buFont typeface="+mj-lt"/>
+              <a:buAutoNum type="arabicPeriod"/>
+            </a:pPr>
+            <a:r>
+              <a:rPr lang="en-US" sz="4000" b="1" baseline="0" dirty="0" smtClean="0"/>
+              <a:t>INVENTORY</a:t>
+            </a:r>
+            <a:r>
+              <a:rPr lang="en-US" sz="4000" b="0" baseline="0" dirty="0" smtClean="0"/>
+              <a:t> – The amount of stock available for sale.</a:t>
+            </a:r>
+            <a:endParaRPr lang="en-US" sz="4000" b="1" baseline="0" dirty="0" smtClean="0"/>
+          </a:p>
+          <a:p>
+            <a:pPr marL="742950" marR="0" lvl="0" indent="-742950" algn="l" defTabSz="914400" rtl="0" eaLnBrk="1" fontAlgn="auto" latinLnBrk="0" hangingPunct="1">
+              <a:lnSpc>
+                <a:spcPct val="90000"/>
+              </a:lnSpc>
+              <a:spcBef>
+                <a:spcPts val="500"/>
+              </a:spcBef>
+              <a:spcAft>
+                <a:spcPts val="0"/>
+              </a:spcAft>
+              <a:buClrTx/>
+              <a:buSzTx/>
+              <a:buFont typeface="+mj-lt"/>
+              <a:buAutoNum type="arabicPeriod"/>
+              <a:tabLst/>
+              <a:defRPr/>
+            </a:pPr>
+            <a:r>
+              <a:rPr lang="en-US" sz="4000" b="1" kern="1200" baseline="0" dirty="0" smtClean="0">
+                <a:gradFill>
+                  <a:gsLst>
+                    <a:gs pos="34000">
+                      <a:schemeClr val="tx1">
+                        <a:lumMod val="93000"/>
+                      </a:schemeClr>
+                    </a:gs>
+                    <a:gs pos="0">
+                      <a:schemeClr val="bg1">
+                        <a:lumMod val="25000"/>
+                        <a:lumOff val="75000"/>
+                      </a:schemeClr>
+                    </a:gs>
+                    <a:gs pos="100000">
+                      <a:schemeClr val="tx2">
+                        <a:lumMod val="0"/>
+                        <a:lumOff val="100000"/>
+                      </a:schemeClr>
+                    </a:gs>
+                  </a:gsLst>
+                  <a:lin ang="4800000" scaled="0"/>
+                </a:gradFill>
+                <a:effectLst/>
+                <a:latin typeface="+mn-lt"/>
+                <a:ea typeface="+mn-ea"/>
+                <a:cs typeface="+mn-cs"/>
+              </a:rPr>
+              <a:t>VENDOR</a:t>
+            </a:r>
+            <a:r>
+              <a:rPr lang="en-US" sz="4000" b="0" kern="1200" baseline="0" dirty="0" smtClean="0">
+                <a:gradFill>
+                  <a:gsLst>
+                    <a:gs pos="34000">
+                      <a:schemeClr val="tx1">
+                        <a:lumMod val="93000"/>
+                      </a:schemeClr>
+                    </a:gs>
+                    <a:gs pos="0">
+                      <a:schemeClr val="bg1">
+                        <a:lumMod val="25000"/>
+                        <a:lumOff val="75000"/>
+                      </a:schemeClr>
+                    </a:gs>
+                    <a:gs pos="100000">
+                      <a:schemeClr val="tx2">
+                        <a:lumMod val="0"/>
+                        <a:lumOff val="100000"/>
+                      </a:schemeClr>
+                    </a:gs>
+                  </a:gsLst>
+                  <a:lin ang="4800000" scaled="0"/>
+                </a:gradFill>
+                <a:effectLst/>
+                <a:latin typeface="+mn-lt"/>
+                <a:ea typeface="+mn-ea"/>
+                <a:cs typeface="+mn-cs"/>
+              </a:rPr>
+              <a:t> – A company through which more inventory is acquired.</a:t>
+            </a:r>
+            <a:endParaRPr lang="en-US" sz="4000" b="1" baseline="0" dirty="0" smtClean="0"/>
+          </a:p>
+          <a:p>
+            <a:pPr marL="742950" lvl="0" indent="-742950">
+              <a:buFont typeface="+mj-lt"/>
+              <a:buAutoNum type="arabicPeriod"/>
+            </a:pPr>
+            <a:r>
+              <a:rPr lang="en-US" sz="4000" b="1" baseline="0" dirty="0" smtClean="0"/>
+              <a:t>PURCHASE</a:t>
+            </a:r>
+            <a:r>
+              <a:rPr lang="en-US" sz="4000" b="0" baseline="0" dirty="0" smtClean="0"/>
+              <a:t> – A purchase made to a vendor for more inventory.</a:t>
+            </a:r>
+            <a:endParaRPr lang="en-US" sz="4000" baseline="0" dirty="0" smtClean="0"/>
           </a:p>
         </p:txBody>
       </p:sp>
       <p:pic>
         <p:nvPicPr>
-          <p:cNvPr id="1030" name="Picture 6" descr="https://documents.lucidchart.com/documents/9d96691c-18d3-461e-9a74-a20b306afd31/pages/0_0?a=2422&amp;x=161&amp;y=217&amp;w=858&amp;h=944&amp;store=1&amp;accept=image%2F*&amp;auth=LCA%206b2d4db8d5c2c10950f6c5f352d88e9134795d9e-ts%3D1470189394"/>
+          <p:cNvPr id="5" name="Picture 6" descr="https://documents.lucidchart.com/documents/9d96691c-18d3-461e-9a74-a20b306afd31/pages/0_0?a=2422&amp;x=161&amp;y=217&amp;w=858&amp;h=944&amp;store=1&amp;accept=image%2F*&amp;auth=LCA%206b2d4db8d5c2c10950f6c5f352d88e9134795d9e-ts%3D1470189394"/>
           <p:cNvPicPr>
             <a:picLocks noGrp="1" noChangeAspect="1" noChangeArrowheads="1"/>
           </p:cNvPicPr>
           <p:nvPr>
-            <p:ph idx="1"/>
+            <p:ph sz="half" idx="1"/>
           </p:nvPr>
         </p:nvPicPr>
-        <p:blipFill>
+        <p:blipFill rotWithShape="1">
           <a:blip r:embed="rId2">
             <a:extLst>
               <a:ext uri="{28A0092B-C50C-407E-A947-70E740481C1C}">
@@ -6149,14 +6423,13 @@
               </a:ext>
             </a:extLst>
           </a:blip>
-          <a:stretch>
-            <a:fillRect/>
-          </a:stretch>
+          <a:srcRect l="-12" t="73" r="12" b="-73"/>
+          <a:stretch/>
         </p:blipFill>
         <p:spPr bwMode="auto">
           <a:xfrm>
-            <a:off x="3951732" y="1690688"/>
-            <a:ext cx="4288536" cy="4718389"/>
+            <a:off x="1655064" y="1828800"/>
+            <a:ext cx="3954923" cy="4351338"/>
           </a:xfrm>
           <a:prstGeom prst="rect">
             <a:avLst/>
@@ -6185,7 +6458,7 @@
     </p:spTree>
     <p:extLst>
       <p:ext uri="{BB962C8B-B14F-4D97-AF65-F5344CB8AC3E}">
-        <p14:creationId xmlns:p14="http://schemas.microsoft.com/office/powerpoint/2010/main" val="650056428"/>
+        <p14:creationId xmlns:p14="http://schemas.microsoft.com/office/powerpoint/2010/main" val="1038110112"/>
       </p:ext>
     </p:extLst>
   </p:cSld>
@@ -6236,20 +6509,92 @@
           <a:p>
             <a:r>
               <a:rPr lang="en-US" dirty="0" smtClean="0"/>
-              <a:t>Logical Design</a:t>
-            </a:r>
+              <a:t>Logical</a:t>
+            </a:r>
+            <a:r>
+              <a:rPr lang="en-US" baseline="0" dirty="0" smtClean="0"/>
+              <a:t> Design</a:t>
+            </a:r>
+            <a:endParaRPr lang="en-US" dirty="0"/>
+          </a:p>
+        </p:txBody>
+      </p:sp>
+      <p:sp>
+        <p:nvSpPr>
+          <p:cNvPr id="3" name="Content Placeholder 2"/>
+          <p:cNvSpPr>
+            <a:spLocks noGrp="1"/>
+          </p:cNvSpPr>
+          <p:nvPr>
+            <p:ph sz="half" idx="1"/>
+          </p:nvPr>
+        </p:nvSpPr>
+        <p:spPr/>
+        <p:txBody>
+          <a:bodyPr>
+            <a:normAutofit/>
+          </a:bodyPr>
+          <a:lstStyle/>
+          <a:p>
+            <a:pPr marL="0" indent="0">
+              <a:buNone/>
+            </a:pPr>
+            <a:r>
+              <a:rPr lang="en-US" dirty="0" smtClean="0"/>
+              <a:t>Several</a:t>
+            </a:r>
+            <a:r>
+              <a:rPr lang="en-US" baseline="0" dirty="0" smtClean="0"/>
+              <a:t> foreign keys.</a:t>
+            </a:r>
+          </a:p>
+          <a:p>
+            <a:pPr lvl="1"/>
+            <a:r>
+              <a:rPr lang="en-US" dirty="0" smtClean="0"/>
+              <a:t>The order table wins for</a:t>
+            </a:r>
+            <a:r>
+              <a:rPr lang="en-US" baseline="0" dirty="0" smtClean="0"/>
+              <a:t> most foreign keys needed. It drew from customer, employee, and item.</a:t>
+            </a:r>
+          </a:p>
+          <a:p>
+            <a:pPr lvl="1"/>
+            <a:endParaRPr lang="en-US" baseline="0" dirty="0" smtClean="0"/>
+          </a:p>
+          <a:p>
+            <a:pPr lvl="1"/>
+            <a:r>
+              <a:rPr lang="en-US" baseline="0" dirty="0" smtClean="0"/>
+              <a:t>Purchase only had two foreign keys.</a:t>
+            </a:r>
+          </a:p>
+          <a:p>
+            <a:pPr lvl="1"/>
+            <a:endParaRPr lang="en-US" baseline="0" dirty="0" smtClean="0"/>
+          </a:p>
+          <a:p>
+            <a:pPr lvl="1"/>
+            <a:r>
+              <a:rPr lang="en-US" baseline="0" dirty="0" smtClean="0"/>
+              <a:t>Inventory only had one foreign key.</a:t>
+            </a:r>
+          </a:p>
+          <a:p>
+            <a:pPr lvl="1"/>
             <a:endParaRPr lang="en-US" dirty="0"/>
           </a:p>
         </p:txBody>
       </p:sp>
       <p:pic>
         <p:nvPicPr>
-          <p:cNvPr id="2050" name="Picture 2" descr="https://documents.lucidchart.com/documents/9d96691c-18d3-461e-9a74-a20b306afd31/pages/wGxxCK1w1N1p?a=2422&amp;x=43&amp;y=58&amp;w=1258&amp;h=1369&amp;store=1&amp;accept=image%2F*&amp;auth=LCA%20f7284e737ffbc3ad6b775195e3069f71101d0f4c-ts%3D1470189394"/>
+          <p:cNvPr id="6" name="Picture 2" descr="https://documents.lucidchart.com/documents/9d96691c-18d3-461e-9a74-a20b306afd31/pages/wGxxCK1w1N1p?a=2422&amp;x=43&amp;y=58&amp;w=1258&amp;h=1369&amp;store=1&amp;accept=image%2F*&amp;auth=LCA%20f7284e737ffbc3ad6b775195e3069f71101d0f4c-ts%3D1470189394"/>
           <p:cNvPicPr preferRelativeResize="0">
             <a:picLocks noGrp="1" noChangeArrowheads="1"/>
           </p:cNvPicPr>
           <p:nvPr>
-            <p:ph idx="1"/>
+            <p:ph sz="half" idx="2"/>
           </p:nvPr>
         </p:nvPicPr>
         <p:blipFill>
@@ -6266,8 +6611,8 @@
         </p:blipFill>
         <p:spPr bwMode="auto">
           <a:xfrm>
-            <a:off x="3951732" y="1690688"/>
-            <a:ext cx="4288536" cy="4718304"/>
+            <a:off x="6837556" y="1825625"/>
+            <a:ext cx="3998526" cy="4351338"/>
           </a:xfrm>
           <a:prstGeom prst="rect">
             <a:avLst/>
@@ -6296,7 +6641,7 @@
     </p:spTree>
     <p:extLst>
       <p:ext uri="{BB962C8B-B14F-4D97-AF65-F5344CB8AC3E}">
-        <p14:creationId xmlns:p14="http://schemas.microsoft.com/office/powerpoint/2010/main" val="2078918938"/>
+        <p14:creationId xmlns:p14="http://schemas.microsoft.com/office/powerpoint/2010/main" val="1453254050"/>
       </p:ext>
     </p:extLst>
   </p:cSld>
@@ -6379,7 +6724,7 @@
         </p:spPr>
         <p:txBody>
           <a:bodyPr anchor="ctr" anchorCtr="1">
-            <a:normAutofit fontScale="55000" lnSpcReduction="20000"/>
+            <a:normAutofit fontScale="40000" lnSpcReduction="20000"/>
           </a:bodyPr>
           <a:lstStyle/>
           <a:p>
@@ -7458,6 +7803,18 @@
               <a:t> </a:t>
             </a:r>
             <a:r>
+              <a:rPr lang="en-US" b="0" i="0" dirty="0" err="1" smtClean="0">
+                <a:solidFill>
+                  <a:srgbClr val="A71D5D"/>
+                </a:solidFill>
+                <a:effectLst/>
+                <a:latin typeface="Source Code Pro for Powerline Medium" charset="0"/>
+                <a:ea typeface="Source Code Pro for Powerline Medium" charset="0"/>
+                <a:cs typeface="Source Code Pro for Powerline Medium" charset="0"/>
+              </a:rPr>
+              <a:t>varc</a:t>
+            </a:r>
+            <a:r>
               <a:rPr lang="en-US" b="0" i="0" dirty="0" smtClean="0">
                 <a:solidFill>
                   <a:srgbClr val="A71D5D"/>
@@ -7467,7 +7824,7 @@
                 <a:ea typeface="Source Code Pro for Powerline Medium" charset="0"/>
                 <a:cs typeface="Source Code Pro for Powerline Medium" charset="0"/>
               </a:rPr>
-              <a:t>varchar2</a:t>
+              <a:t> har2</a:t>
             </a:r>
             <a:r>
               <a:rPr lang="en-US" b="0" i="0" dirty="0" smtClean="0">
@@ -7898,60 +8255,149 @@
         <p:spPr/>
         <p:txBody>
           <a:bodyPr>
-            <a:normAutofit fontScale="55000" lnSpcReduction="20000"/>
+            <a:noAutofit/>
           </a:bodyPr>
           <a:lstStyle/>
           <a:p>
-            <a:r>
-              <a:rPr lang="en-US" sz="3600" dirty="0"/>
-              <a:t>In hindsight, </a:t>
-            </a:r>
-            <a:r>
-              <a:rPr lang="en-US" sz="3600" dirty="0" err="1"/>
+            <a:pPr marL="0" indent="0">
+              <a:buNone/>
+            </a:pPr>
+            <a:r>
+              <a:rPr lang="en-US" sz="2000" b="1" dirty="0" smtClean="0"/>
+              <a:t>Lessons Learned</a:t>
+            </a:r>
+          </a:p>
+          <a:p>
+            <a:r>
+              <a:rPr lang="en-US" sz="1800" dirty="0" err="1" smtClean="0"/>
               <a:t>CamelCase</a:t>
             </a:r>
             <a:r>
-              <a:rPr lang="en-US" sz="3600" dirty="0"/>
+              <a:rPr lang="en-US" sz="1800" dirty="0" smtClean="0"/>
+              <a:t> on columns is a bad idea.</a:t>
+            </a:r>
+          </a:p>
+          <a:p>
+            <a:pPr lvl="1"/>
+            <a:r>
+              <a:rPr lang="en-US" sz="1800" dirty="0" smtClean="0"/>
+              <a:t>Not a show stopper, just</a:t>
+            </a:r>
+            <a:r>
+              <a:rPr lang="en-US" sz="1800" baseline="0" dirty="0" smtClean="0"/>
+              <a:t> made queries picky about escaping them in “double quotes”.</a:t>
+            </a:r>
+          </a:p>
+          <a:p>
+            <a:pPr lvl="0"/>
+            <a:r>
+              <a:rPr lang="en-US" sz="1800" baseline="0" dirty="0" smtClean="0"/>
+              <a:t>ORDER is a reserved word.</a:t>
+            </a:r>
+          </a:p>
+          <a:p>
+            <a:pPr lvl="1"/>
+            <a:r>
+              <a:rPr lang="en-US" sz="1800" baseline="0" dirty="0" smtClean="0"/>
+              <a:t>Don’t name your tables after reserved words like “SELECT” unless you want to escape it in every instance.</a:t>
+            </a:r>
+          </a:p>
+          <a:p>
+            <a:pPr lvl="0"/>
+            <a:r>
+              <a:rPr lang="en-US" sz="1800" baseline="0" dirty="0" smtClean="0"/>
+              <a:t>Create simple tables first.</a:t>
+            </a:r>
+          </a:p>
+          <a:p>
+            <a:pPr lvl="1"/>
+            <a:r>
+              <a:rPr lang="en-US" sz="1800" baseline="0" dirty="0" smtClean="0"/>
+              <a:t>You can’t make references if the originating table does not exist.</a:t>
+            </a:r>
+          </a:p>
+          <a:p>
+            <a:pPr lvl="0"/>
+            <a:r>
+              <a:rPr lang="en-US" sz="1800" kern="1200" dirty="0" smtClean="0">
+                <a:gradFill>
+                  <a:gsLst>
+                    <a:gs pos="34000">
+                      <a:schemeClr val="tx1">
+                        <a:lumMod val="93000"/>
+                      </a:schemeClr>
+                    </a:gs>
+                    <a:gs pos="0">
+                      <a:schemeClr val="bg1">
+                        <a:lumMod val="25000"/>
+                        <a:lumOff val="75000"/>
+                      </a:schemeClr>
+                    </a:gs>
+                    <a:gs pos="100000">
+                      <a:schemeClr val="tx2">
+                        <a:lumMod val="0"/>
+                        <a:lumOff val="100000"/>
+                      </a:schemeClr>
+                    </a:gs>
+                  </a:gsLst>
+                  <a:lin ang="4800000" scaled="0"/>
+                </a:gradFill>
+                <a:effectLst/>
+                <a:latin typeface="+mn-lt"/>
+                <a:ea typeface="+mn-ea"/>
+                <a:cs typeface="+mn-cs"/>
+              </a:rPr>
+              <a:t>Hyphens take up space</a:t>
+            </a:r>
+            <a:r>
+              <a:rPr lang="en-US" sz="1800" kern="1200" baseline="0" dirty="0" smtClean="0">
+                <a:gradFill>
+                  <a:gsLst>
+                    <a:gs pos="34000">
+                      <a:schemeClr val="tx1">
+                        <a:lumMod val="93000"/>
+                      </a:schemeClr>
+                    </a:gs>
+                    <a:gs pos="0">
+                      <a:schemeClr val="bg1">
+                        <a:lumMod val="25000"/>
+                        <a:lumOff val="75000"/>
+                      </a:schemeClr>
+                    </a:gs>
+                    <a:gs pos="100000">
+                      <a:schemeClr val="tx2">
+                        <a:lumMod val="0"/>
+                        <a:lumOff val="100000"/>
+                      </a:schemeClr>
+                    </a:gs>
+                  </a:gsLst>
+                  <a:lin ang="4800000" scaled="0"/>
+                </a:gradFill>
+                <a:effectLst/>
+                <a:latin typeface="+mn-lt"/>
+                <a:ea typeface="+mn-ea"/>
+                <a:cs typeface="+mn-cs"/>
+              </a:rPr>
+              <a:t>.</a:t>
+            </a:r>
+            <a:r>
+              <a:rPr lang="en-US" sz="1800" dirty="0" smtClean="0"/>
               <a:t> </a:t>
             </a:r>
-            <a:r>
-              <a:rPr lang="en-US" sz="3600" dirty="0" smtClean="0"/>
-              <a:t>on columns was </a:t>
-            </a:r>
-            <a:r>
-              <a:rPr lang="en-US" sz="3600" dirty="0"/>
-              <a:t>a bad idea</a:t>
-            </a:r>
-            <a:r>
-              <a:rPr lang="en-US" sz="3600" dirty="0" smtClean="0"/>
-              <a:t>.</a:t>
-            </a:r>
           </a:p>
           <a:p>
             <a:pPr lvl="1"/>
             <a:r>
-              <a:rPr lang="en-US" sz="3200" dirty="0" smtClean="0"/>
-              <a:t>Not a show stopper, just</a:t>
-            </a:r>
-            <a:r>
-              <a:rPr lang="en-US" sz="3200" baseline="0" dirty="0" smtClean="0"/>
-              <a:t> made queries picky about being explicit in “double quotes”.</a:t>
-            </a:r>
-          </a:p>
-          <a:p>
-            <a:pPr lvl="0"/>
-            <a:r>
-              <a:rPr lang="en-US" sz="3600" dirty="0" smtClean="0"/>
-              <a:t>Order</a:t>
-            </a:r>
-            <a:r>
-              <a:rPr lang="en-US" sz="3600" baseline="0" dirty="0" smtClean="0"/>
-              <a:t> of creating tables was important, can’t make references if the originating table does not exist.</a:t>
-            </a:r>
-            <a:endParaRPr lang="en-US" sz="3600" dirty="0"/>
-          </a:p>
-          <a:p>
-            <a:endParaRPr lang="en-US" dirty="0"/>
+              <a:rPr lang="en-US" sz="1800" baseline="0" dirty="0" smtClean="0"/>
+              <a:t>We made assumptions about the data before looking at it.</a:t>
+            </a:r>
+          </a:p>
+          <a:p>
+            <a:pPr lvl="1"/>
+            <a:r>
+              <a:rPr lang="en-US" sz="1800" baseline="0" dirty="0" smtClean="0"/>
+              <a:t>Try importing mock data early.</a:t>
+            </a:r>
           </a:p>
         </p:txBody>
       </p:sp>
@@ -8009,7 +8455,7 @@
           <a:p>
             <a:r>
               <a:rPr lang="en-US" dirty="0" smtClean="0"/>
-              <a:t>Challenges</a:t>
+              <a:t>Stored Procedure</a:t>
             </a:r>
             <a:endParaRPr lang="en-US" dirty="0"/>
           </a:p>
@@ -8022,41 +8468,1323 @@
             <a:spLocks noGrp="1"/>
           </p:cNvSpPr>
           <p:nvPr>
-            <p:ph idx="1"/>
-          </p:nvPr>
-        </p:nvSpPr>
-        <p:spPr/>
-        <p:txBody>
-          <a:bodyPr/>
+            <p:ph sz="half" idx="1"/>
+          </p:nvPr>
+        </p:nvSpPr>
+        <p:spPr>
+          <a:solidFill>
+            <a:schemeClr val="bg1"/>
+          </a:solidFill>
+          <a:effectLst>
+            <a:glow rad="228600">
+              <a:schemeClr val="tx2">
+                <a:alpha val="40000"/>
+              </a:schemeClr>
+            </a:glow>
+            <a:reflection blurRad="6350" stA="50000" endA="275" endPos="40000" dist="101600" dir="5400000" sy="-100000" algn="bl" rotWithShape="0"/>
+            <a:softEdge rad="31750"/>
+          </a:effectLst>
+        </p:spPr>
+        <p:txBody>
+          <a:bodyPr anchor="ctr" anchorCtr="1">
+            <a:noAutofit/>
+          </a:bodyPr>
           <a:lstStyle/>
           <a:p>
-            <a:r>
-              <a:rPr lang="en-US" dirty="0" smtClean="0"/>
-              <a:t>Importing the data into the </a:t>
-            </a:r>
-            <a:r>
-              <a:rPr lang="en-US" dirty="0" smtClean="0"/>
-              <a:t>Database.</a:t>
-            </a:r>
-            <a:endParaRPr lang="en-US" dirty="0" smtClean="0"/>
-          </a:p>
-          <a:p>
-            <a:r>
-              <a:rPr lang="en-US" dirty="0" smtClean="0"/>
-              <a:t>Some fields were too </a:t>
-            </a:r>
-            <a:r>
-              <a:rPr lang="en-US" dirty="0" smtClean="0"/>
-              <a:t>small.</a:t>
-            </a:r>
-            <a:endParaRPr lang="en-US" dirty="0"/>
+            <a:pPr marL="0" indent="0">
+              <a:buNone/>
+            </a:pPr>
+            <a:r>
+              <a:rPr lang="en-US" sz="800" dirty="0">
+                <a:solidFill>
+                  <a:schemeClr val="tx1"/>
+                </a:solidFill>
+                <a:latin typeface="Consolas" charset="0"/>
+              </a:rPr>
+              <a:t>SQL&gt; execute </a:t>
+            </a:r>
+            <a:r>
+              <a:rPr lang="en-US" sz="800" dirty="0" err="1">
+                <a:solidFill>
+                  <a:schemeClr val="tx1"/>
+                </a:solidFill>
+                <a:latin typeface="Consolas" charset="0"/>
+              </a:rPr>
+              <a:t>top_items</a:t>
+            </a:r>
+            <a:r>
+              <a:rPr lang="en-US" sz="800" dirty="0">
+                <a:solidFill>
+                  <a:schemeClr val="tx1"/>
+                </a:solidFill>
+                <a:latin typeface="Consolas" charset="0"/>
+              </a:rPr>
+              <a:t>();</a:t>
+            </a:r>
+          </a:p>
+          <a:p>
+            <a:pPr marL="0" indent="0">
+              <a:buNone/>
+            </a:pPr>
+            <a:r>
+              <a:rPr lang="en-US" sz="800" dirty="0">
+                <a:solidFill>
+                  <a:schemeClr val="tx1"/>
+                </a:solidFill>
+                <a:latin typeface="Consolas" charset="0"/>
+              </a:rPr>
+              <a:t>The item "ipsum </a:t>
+            </a:r>
+            <a:r>
+              <a:rPr lang="en-US" sz="800" dirty="0" err="1">
+                <a:solidFill>
+                  <a:schemeClr val="tx1"/>
+                </a:solidFill>
+                <a:latin typeface="Consolas" charset="0"/>
+              </a:rPr>
+              <a:t>aliquam</a:t>
+            </a:r>
+            <a:r>
+              <a:rPr lang="en-US" sz="800" dirty="0">
+                <a:solidFill>
+                  <a:schemeClr val="tx1"/>
+                </a:solidFill>
+                <a:latin typeface="Consolas" charset="0"/>
+              </a:rPr>
+              <a:t> non" has been purchased 476 times.</a:t>
+            </a:r>
+          </a:p>
+          <a:p>
+            <a:pPr marL="0" indent="0">
+              <a:buNone/>
+            </a:pPr>
+            <a:r>
+              <a:rPr lang="en-US" sz="800" dirty="0">
+                <a:solidFill>
+                  <a:schemeClr val="tx1"/>
+                </a:solidFill>
+                <a:latin typeface="Consolas" charset="0"/>
+                <a:ea typeface="Consolas" charset="0"/>
+                <a:cs typeface="Consolas" charset="0"/>
+              </a:rPr>
+              <a:t>The item "sit </a:t>
+            </a:r>
+            <a:r>
+              <a:rPr lang="en-US" sz="800" dirty="0" err="1">
+                <a:solidFill>
+                  <a:schemeClr val="tx1"/>
+                </a:solidFill>
+                <a:latin typeface="Consolas" charset="0"/>
+                <a:ea typeface="Consolas" charset="0"/>
+                <a:cs typeface="Consolas" charset="0"/>
+              </a:rPr>
+              <a:t>amet</a:t>
+            </a:r>
+            <a:r>
+              <a:rPr lang="en-US" sz="800" dirty="0">
+                <a:solidFill>
+                  <a:schemeClr val="tx1"/>
+                </a:solidFill>
+                <a:latin typeface="Consolas" charset="0"/>
+                <a:ea typeface="Consolas" charset="0"/>
+                <a:cs typeface="Consolas" charset="0"/>
+              </a:rPr>
+              <a:t>" has been purchased 442 times.</a:t>
+            </a:r>
+          </a:p>
+          <a:p>
+            <a:pPr marL="0" indent="0">
+              <a:buNone/>
+            </a:pPr>
+            <a:r>
+              <a:rPr lang="en-US" sz="800" dirty="0">
+                <a:solidFill>
+                  <a:schemeClr val="tx1"/>
+                </a:solidFill>
+                <a:latin typeface="Consolas" charset="0"/>
+                <a:ea typeface="Consolas" charset="0"/>
+                <a:cs typeface="Consolas" charset="0"/>
+              </a:rPr>
+              <a:t>The item "</a:t>
+            </a:r>
+            <a:r>
+              <a:rPr lang="en-US" sz="800" dirty="0" err="1">
+                <a:solidFill>
+                  <a:schemeClr val="tx1"/>
+                </a:solidFill>
+                <a:latin typeface="Consolas" charset="0"/>
+                <a:ea typeface="Consolas" charset="0"/>
+                <a:cs typeface="Consolas" charset="0"/>
+              </a:rPr>
+              <a:t>quis</a:t>
+            </a:r>
+            <a:r>
+              <a:rPr lang="en-US" sz="800" dirty="0">
+                <a:solidFill>
+                  <a:schemeClr val="tx1"/>
+                </a:solidFill>
+                <a:latin typeface="Consolas" charset="0"/>
+                <a:ea typeface="Consolas" charset="0"/>
+                <a:cs typeface="Consolas" charset="0"/>
+              </a:rPr>
+              <a:t> </a:t>
+            </a:r>
+            <a:r>
+              <a:rPr lang="en-US" sz="800" dirty="0" err="1">
+                <a:solidFill>
+                  <a:schemeClr val="tx1"/>
+                </a:solidFill>
+                <a:latin typeface="Consolas" charset="0"/>
+                <a:ea typeface="Consolas" charset="0"/>
+                <a:cs typeface="Consolas" charset="0"/>
+              </a:rPr>
+              <a:t>tortor</a:t>
+            </a:r>
+            <a:r>
+              <a:rPr lang="en-US" sz="800" dirty="0">
+                <a:solidFill>
+                  <a:schemeClr val="tx1"/>
+                </a:solidFill>
+                <a:latin typeface="Consolas" charset="0"/>
+                <a:ea typeface="Consolas" charset="0"/>
+                <a:cs typeface="Consolas" charset="0"/>
+              </a:rPr>
+              <a:t>" has been purchased 415 times</a:t>
+            </a:r>
+            <a:r>
+              <a:rPr lang="en-US" sz="800" dirty="0" smtClean="0">
+                <a:solidFill>
+                  <a:schemeClr val="tx1"/>
+                </a:solidFill>
+                <a:latin typeface="Consolas" charset="0"/>
+                <a:ea typeface="Consolas" charset="0"/>
+                <a:cs typeface="Consolas" charset="0"/>
+              </a:rPr>
+              <a:t>.</a:t>
+            </a:r>
+          </a:p>
+          <a:p>
+            <a:pPr marL="0" marR="0" indent="0" algn="l" defTabSz="914400" rtl="0" eaLnBrk="1" fontAlgn="auto" latinLnBrk="0" hangingPunct="1">
+              <a:lnSpc>
+                <a:spcPct val="90000"/>
+              </a:lnSpc>
+              <a:spcBef>
+                <a:spcPts val="1000"/>
+              </a:spcBef>
+              <a:spcAft>
+                <a:spcPts val="0"/>
+              </a:spcAft>
+              <a:buClrTx/>
+              <a:buSzTx/>
+              <a:buFont typeface="Arial" panose="020B0604020202020204" pitchFamily="34" charset="0"/>
+              <a:buNone/>
+              <a:tabLst/>
+              <a:defRPr/>
+            </a:pPr>
+            <a:r>
+              <a:rPr lang="en-US" sz="800" kern="1200" dirty="0" smtClean="0">
+                <a:solidFill>
+                  <a:schemeClr val="tx1"/>
+                </a:solidFill>
+                <a:effectLst/>
+                <a:latin typeface="Consolas" charset="0"/>
+                <a:ea typeface="Consolas" charset="0"/>
+                <a:cs typeface="Consolas" charset="0"/>
+              </a:rPr>
+              <a:t>The item "</a:t>
+            </a:r>
+            <a:r>
+              <a:rPr lang="en-US" sz="800" kern="1200" dirty="0" err="1" smtClean="0">
+                <a:solidFill>
+                  <a:schemeClr val="tx1"/>
+                </a:solidFill>
+                <a:effectLst/>
+                <a:latin typeface="Consolas" charset="0"/>
+                <a:ea typeface="Consolas" charset="0"/>
+                <a:cs typeface="Consolas" charset="0"/>
+              </a:rPr>
+              <a:t>duis</a:t>
+            </a:r>
+            <a:r>
+              <a:rPr lang="en-US" sz="800" kern="1200" dirty="0" smtClean="0">
+                <a:solidFill>
+                  <a:schemeClr val="tx1"/>
+                </a:solidFill>
+                <a:effectLst/>
+                <a:latin typeface="Consolas" charset="0"/>
+                <a:ea typeface="Consolas" charset="0"/>
+                <a:cs typeface="Consolas" charset="0"/>
+              </a:rPr>
+              <a:t>" has been purchased 410 times.</a:t>
+            </a:r>
+            <a:endParaRPr lang="en-US" sz="800" dirty="0">
+              <a:solidFill>
+                <a:schemeClr val="tx1"/>
+              </a:solidFill>
+              <a:latin typeface="Consolas" charset="0"/>
+              <a:ea typeface="Consolas" charset="0"/>
+              <a:cs typeface="Consolas" charset="0"/>
+            </a:endParaRPr>
+          </a:p>
+          <a:p>
+            <a:pPr marL="0" indent="0">
+              <a:buNone/>
+            </a:pPr>
+            <a:r>
+              <a:rPr lang="en-US" sz="800" dirty="0">
+                <a:solidFill>
+                  <a:schemeClr val="tx1"/>
+                </a:solidFill>
+                <a:latin typeface="Consolas" charset="0"/>
+                <a:ea typeface="Consolas" charset="0"/>
+                <a:cs typeface="Consolas" charset="0"/>
+              </a:rPr>
+              <a:t>...</a:t>
+            </a:r>
+          </a:p>
+          <a:p>
+            <a:pPr marL="0" indent="0">
+              <a:buNone/>
+            </a:pPr>
+            <a:r>
+              <a:rPr lang="en-US" sz="800" dirty="0">
+                <a:solidFill>
+                  <a:schemeClr val="tx1"/>
+                </a:solidFill>
+                <a:latin typeface="Consolas" charset="0"/>
+                <a:ea typeface="Consolas" charset="0"/>
+                <a:cs typeface="Consolas" charset="0"/>
+              </a:rPr>
+              <a:t>...</a:t>
+            </a:r>
+          </a:p>
+          <a:p>
+            <a:pPr marL="0" indent="0">
+              <a:buNone/>
+            </a:pPr>
+            <a:r>
+              <a:rPr lang="en-US" sz="800" dirty="0" smtClean="0">
+                <a:solidFill>
+                  <a:schemeClr val="tx1"/>
+                </a:solidFill>
+                <a:latin typeface="Consolas" charset="0"/>
+                <a:ea typeface="Consolas" charset="0"/>
+                <a:cs typeface="Consolas" charset="0"/>
+              </a:rPr>
+              <a:t>...</a:t>
+            </a:r>
+          </a:p>
+          <a:p>
+            <a:pPr marL="0" marR="0" indent="0" algn="l" defTabSz="914400" rtl="0" eaLnBrk="1" fontAlgn="auto" latinLnBrk="0" hangingPunct="1">
+              <a:lnSpc>
+                <a:spcPct val="90000"/>
+              </a:lnSpc>
+              <a:spcBef>
+                <a:spcPts val="1000"/>
+              </a:spcBef>
+              <a:spcAft>
+                <a:spcPts val="0"/>
+              </a:spcAft>
+              <a:buClrTx/>
+              <a:buSzTx/>
+              <a:buFont typeface="Arial" panose="020B0604020202020204" pitchFamily="34" charset="0"/>
+              <a:buNone/>
+              <a:tabLst/>
+              <a:defRPr/>
+            </a:pPr>
+            <a:r>
+              <a:rPr lang="en-US" sz="800" kern="1200" dirty="0" smtClean="0">
+                <a:solidFill>
+                  <a:schemeClr val="tx1"/>
+                </a:solidFill>
+                <a:effectLst/>
+                <a:latin typeface="Consolas" charset="0"/>
+                <a:ea typeface="Consolas" charset="0"/>
+                <a:cs typeface="Consolas" charset="0"/>
+              </a:rPr>
+              <a:t>The item "</a:t>
+            </a:r>
+            <a:r>
+              <a:rPr lang="en-US" sz="800" kern="1200" dirty="0" err="1" smtClean="0">
+                <a:solidFill>
+                  <a:schemeClr val="tx1"/>
+                </a:solidFill>
+                <a:effectLst/>
+                <a:latin typeface="Consolas" charset="0"/>
+                <a:ea typeface="Consolas" charset="0"/>
+                <a:cs typeface="Consolas" charset="0"/>
+              </a:rPr>
+              <a:t>arcu</a:t>
+            </a:r>
+            <a:r>
+              <a:rPr lang="en-US" sz="800" kern="1200" dirty="0" smtClean="0">
+                <a:solidFill>
+                  <a:schemeClr val="tx1"/>
+                </a:solidFill>
+                <a:effectLst/>
+                <a:latin typeface="Consolas" charset="0"/>
+                <a:ea typeface="Consolas" charset="0"/>
+                <a:cs typeface="Consolas" charset="0"/>
+              </a:rPr>
+              <a:t>" has been purchased 206 times.</a:t>
+            </a:r>
+            <a:endParaRPr lang="en-US" sz="800" dirty="0">
+              <a:solidFill>
+                <a:schemeClr val="tx1"/>
+              </a:solidFill>
+              <a:latin typeface="Consolas" charset="0"/>
+              <a:ea typeface="Consolas" charset="0"/>
+              <a:cs typeface="Consolas" charset="0"/>
+            </a:endParaRPr>
+          </a:p>
+          <a:p>
+            <a:pPr marL="0" indent="0">
+              <a:buNone/>
+            </a:pPr>
+            <a:r>
+              <a:rPr lang="en-US" sz="800" dirty="0">
+                <a:solidFill>
+                  <a:schemeClr val="tx1"/>
+                </a:solidFill>
+                <a:latin typeface="Consolas" charset="0"/>
+                <a:ea typeface="Consolas" charset="0"/>
+                <a:cs typeface="Consolas" charset="0"/>
+              </a:rPr>
+              <a:t>The item "</a:t>
+            </a:r>
+            <a:r>
+              <a:rPr lang="en-US" sz="800" dirty="0" err="1">
+                <a:solidFill>
+                  <a:schemeClr val="tx1"/>
+                </a:solidFill>
+                <a:latin typeface="Consolas" charset="0"/>
+                <a:ea typeface="Consolas" charset="0"/>
+                <a:cs typeface="Consolas" charset="0"/>
+              </a:rPr>
+              <a:t>aenean</a:t>
+            </a:r>
+            <a:r>
+              <a:rPr lang="en-US" sz="800" dirty="0">
+                <a:solidFill>
+                  <a:schemeClr val="tx1"/>
+                </a:solidFill>
+                <a:latin typeface="Consolas" charset="0"/>
+                <a:ea typeface="Consolas" charset="0"/>
+                <a:cs typeface="Consolas" charset="0"/>
+              </a:rPr>
+              <a:t> </a:t>
+            </a:r>
+            <a:r>
+              <a:rPr lang="en-US" sz="800" dirty="0" err="1">
+                <a:solidFill>
+                  <a:schemeClr val="tx1"/>
+                </a:solidFill>
+                <a:latin typeface="Consolas" charset="0"/>
+                <a:ea typeface="Consolas" charset="0"/>
+                <a:cs typeface="Consolas" charset="0"/>
+              </a:rPr>
+              <a:t>fermentum</a:t>
+            </a:r>
+            <a:r>
+              <a:rPr lang="en-US" sz="800" dirty="0">
+                <a:solidFill>
+                  <a:schemeClr val="tx1"/>
+                </a:solidFill>
+                <a:latin typeface="Consolas" charset="0"/>
+                <a:ea typeface="Consolas" charset="0"/>
+                <a:cs typeface="Consolas" charset="0"/>
+              </a:rPr>
+              <a:t> </a:t>
+            </a:r>
+            <a:r>
+              <a:rPr lang="en-US" sz="800" dirty="0" err="1">
+                <a:solidFill>
+                  <a:schemeClr val="tx1"/>
+                </a:solidFill>
+                <a:latin typeface="Consolas" charset="0"/>
+                <a:ea typeface="Consolas" charset="0"/>
+                <a:cs typeface="Consolas" charset="0"/>
+              </a:rPr>
+              <a:t>donec</a:t>
+            </a:r>
+            <a:r>
+              <a:rPr lang="en-US" sz="800" dirty="0">
+                <a:solidFill>
+                  <a:schemeClr val="tx1"/>
+                </a:solidFill>
+                <a:latin typeface="Consolas" charset="0"/>
+                <a:ea typeface="Consolas" charset="0"/>
+                <a:cs typeface="Consolas" charset="0"/>
+              </a:rPr>
+              <a:t> </a:t>
+            </a:r>
+            <a:r>
+              <a:rPr lang="en-US" sz="800" dirty="0" err="1">
+                <a:solidFill>
+                  <a:schemeClr val="tx1"/>
+                </a:solidFill>
+                <a:latin typeface="Consolas" charset="0"/>
+                <a:ea typeface="Consolas" charset="0"/>
+                <a:cs typeface="Consolas" charset="0"/>
+              </a:rPr>
+              <a:t>ut</a:t>
+            </a:r>
+            <a:r>
+              <a:rPr lang="en-US" sz="800" dirty="0">
+                <a:solidFill>
+                  <a:schemeClr val="tx1"/>
+                </a:solidFill>
+                <a:latin typeface="Consolas" charset="0"/>
+                <a:ea typeface="Consolas" charset="0"/>
+                <a:cs typeface="Consolas" charset="0"/>
+              </a:rPr>
+              <a:t>" has been purchased 199 times.</a:t>
+            </a:r>
+          </a:p>
+          <a:p>
+            <a:pPr marL="0" indent="0">
+              <a:buNone/>
+            </a:pPr>
+            <a:r>
+              <a:rPr lang="en-US" sz="800" dirty="0">
+                <a:solidFill>
+                  <a:schemeClr val="tx1"/>
+                </a:solidFill>
+                <a:latin typeface="Consolas" charset="0"/>
+                <a:ea typeface="Consolas" charset="0"/>
+                <a:cs typeface="Consolas" charset="0"/>
+              </a:rPr>
+              <a:t>The item "</a:t>
+            </a:r>
+            <a:r>
+              <a:rPr lang="en-US" sz="800" dirty="0" err="1">
+                <a:solidFill>
+                  <a:schemeClr val="tx1"/>
+                </a:solidFill>
+                <a:latin typeface="Consolas" charset="0"/>
+                <a:ea typeface="Consolas" charset="0"/>
+                <a:cs typeface="Consolas" charset="0"/>
+              </a:rPr>
+              <a:t>vestibulum</a:t>
+            </a:r>
+            <a:r>
+              <a:rPr lang="en-US" sz="800" dirty="0">
+                <a:solidFill>
+                  <a:schemeClr val="tx1"/>
+                </a:solidFill>
+                <a:latin typeface="Consolas" charset="0"/>
+                <a:ea typeface="Consolas" charset="0"/>
+                <a:cs typeface="Consolas" charset="0"/>
+              </a:rPr>
+              <a:t> </a:t>
+            </a:r>
+            <a:r>
+              <a:rPr lang="en-US" sz="800" dirty="0" err="1">
+                <a:solidFill>
+                  <a:schemeClr val="tx1"/>
+                </a:solidFill>
+                <a:latin typeface="Consolas" charset="0"/>
+                <a:ea typeface="Consolas" charset="0"/>
+                <a:cs typeface="Consolas" charset="0"/>
+              </a:rPr>
+              <a:t>sagittis</a:t>
+            </a:r>
+            <a:r>
+              <a:rPr lang="en-US" sz="800" dirty="0">
+                <a:solidFill>
+                  <a:schemeClr val="tx1"/>
+                </a:solidFill>
+                <a:latin typeface="Consolas" charset="0"/>
+                <a:ea typeface="Consolas" charset="0"/>
+                <a:cs typeface="Consolas" charset="0"/>
+              </a:rPr>
+              <a:t>" has been purchased 197 times.</a:t>
+            </a:r>
+          </a:p>
+          <a:p>
+            <a:pPr marL="0" indent="0">
+              <a:buNone/>
+            </a:pPr>
+            <a:r>
+              <a:rPr lang="en-US" sz="800" dirty="0">
+                <a:solidFill>
+                  <a:schemeClr val="tx1"/>
+                </a:solidFill>
+                <a:latin typeface="Consolas" charset="0"/>
+                <a:ea typeface="Consolas" charset="0"/>
+                <a:cs typeface="Consolas" charset="0"/>
+              </a:rPr>
+              <a:t>The item "at lorem integer </a:t>
+            </a:r>
+            <a:r>
+              <a:rPr lang="en-US" sz="800" dirty="0" err="1">
+                <a:solidFill>
+                  <a:schemeClr val="tx1"/>
+                </a:solidFill>
+                <a:latin typeface="Consolas" charset="0"/>
+                <a:ea typeface="Consolas" charset="0"/>
+                <a:cs typeface="Consolas" charset="0"/>
+              </a:rPr>
+              <a:t>tincidunt</a:t>
+            </a:r>
+            <a:r>
+              <a:rPr lang="en-US" sz="800" dirty="0">
+                <a:solidFill>
+                  <a:schemeClr val="tx1"/>
+                </a:solidFill>
+                <a:latin typeface="Consolas" charset="0"/>
+                <a:ea typeface="Consolas" charset="0"/>
+                <a:cs typeface="Consolas" charset="0"/>
+              </a:rPr>
+              <a:t>" has been purchased 174 times.</a:t>
+            </a:r>
+          </a:p>
+          <a:p>
+            <a:pPr marL="0" indent="0">
+              <a:buNone/>
+            </a:pPr>
+            <a:endParaRPr lang="en-US" sz="800" dirty="0">
+              <a:solidFill>
+                <a:schemeClr val="tx1"/>
+              </a:solidFill>
+              <a:latin typeface="Consolas" charset="0"/>
+              <a:ea typeface="Consolas" charset="0"/>
+              <a:cs typeface="Consolas" charset="0"/>
+            </a:endParaRPr>
+          </a:p>
+          <a:p>
+            <a:pPr marL="0" indent="0">
+              <a:buNone/>
+            </a:pPr>
+            <a:endParaRPr lang="en-US" sz="800" dirty="0">
+              <a:solidFill>
+                <a:schemeClr val="tx1"/>
+              </a:solidFill>
+              <a:latin typeface="Consolas" charset="0"/>
+              <a:ea typeface="Consolas" charset="0"/>
+              <a:cs typeface="Consolas" charset="0"/>
+            </a:endParaRPr>
+          </a:p>
+          <a:p>
+            <a:pPr marL="0" indent="0">
+              <a:buNone/>
+            </a:pPr>
+            <a:r>
+              <a:rPr lang="en-US" sz="800" dirty="0">
+                <a:solidFill>
+                  <a:schemeClr val="tx1"/>
+                </a:solidFill>
+                <a:latin typeface="Consolas" charset="0"/>
+                <a:ea typeface="Consolas" charset="0"/>
+                <a:cs typeface="Consolas" charset="0"/>
+              </a:rPr>
+              <a:t>PL/SQL procedure successfully completed.</a:t>
+            </a:r>
+          </a:p>
+          <a:p>
+            <a:pPr marL="0" indent="0">
+              <a:buNone/>
+            </a:pPr>
+            <a:endParaRPr lang="en-US" sz="800" dirty="0">
+              <a:solidFill>
+                <a:schemeClr val="tx1"/>
+              </a:solidFill>
+              <a:latin typeface="Consolas" charset="0"/>
+              <a:ea typeface="Consolas" charset="0"/>
+              <a:cs typeface="Consolas" charset="0"/>
+            </a:endParaRPr>
+          </a:p>
+          <a:p>
+            <a:pPr marL="0" indent="0">
+              <a:buNone/>
+            </a:pPr>
+            <a:r>
+              <a:rPr lang="en-US" sz="800" dirty="0">
+                <a:solidFill>
+                  <a:schemeClr val="tx1"/>
+                </a:solidFill>
+                <a:latin typeface="Consolas" charset="0"/>
+                <a:ea typeface="Consolas" charset="0"/>
+                <a:cs typeface="Consolas" charset="0"/>
+              </a:rPr>
+              <a:t>SQL&gt; </a:t>
+            </a:r>
+          </a:p>
+        </p:txBody>
+      </p:sp>
+      <p:sp>
+        <p:nvSpPr>
+          <p:cNvPr id="4" name="Content Placeholder 3"/>
+          <p:cNvSpPr>
+            <a:spLocks noGrp="1"/>
+          </p:cNvSpPr>
+          <p:nvPr>
+            <p:ph sz="half" idx="2"/>
+          </p:nvPr>
+        </p:nvSpPr>
+        <p:spPr>
+          <a:solidFill>
+            <a:schemeClr val="tx1"/>
+          </a:solidFill>
+          <a:effectLst>
+            <a:glow rad="228600">
+              <a:schemeClr val="tx2">
+                <a:alpha val="40000"/>
+              </a:schemeClr>
+            </a:glow>
+            <a:reflection blurRad="6350" stA="50000" endA="275" endPos="40000" dist="101600" dir="5400000" sy="-100000" algn="bl" rotWithShape="0"/>
+            <a:softEdge rad="31750"/>
+          </a:effectLst>
+        </p:spPr>
+        <p:txBody>
+          <a:bodyPr anchor="ctr" anchorCtr="1">
+            <a:normAutofit fontScale="25000" lnSpcReduction="20000"/>
+          </a:bodyPr>
+          <a:lstStyle/>
+          <a:p>
+            <a:pPr marL="0" indent="0">
+              <a:lnSpc>
+                <a:spcPct val="120000"/>
+              </a:lnSpc>
+              <a:buNone/>
+            </a:pPr>
+            <a:r>
+              <a:rPr lang="en-US" dirty="0" smtClean="0">
+                <a:solidFill>
+                  <a:schemeClr val="bg1"/>
+                </a:solidFill>
+                <a:latin typeface="Consolas" charset="0"/>
+              </a:rPr>
+              <a:t>CREATE </a:t>
+            </a:r>
+            <a:r>
+              <a:rPr lang="en-US" dirty="0">
+                <a:solidFill>
+                  <a:schemeClr val="bg1"/>
+                </a:solidFill>
+                <a:latin typeface="Consolas" charset="0"/>
+              </a:rPr>
+              <a:t>OR REPLACE PROCEDURE </a:t>
+            </a:r>
+            <a:r>
+              <a:rPr lang="en-US" dirty="0" err="1">
+                <a:solidFill>
+                  <a:schemeClr val="bg1"/>
+                </a:solidFill>
+                <a:latin typeface="Consolas" charset="0"/>
+              </a:rPr>
+              <a:t>top_items</a:t>
+            </a:r>
+            <a:r>
+              <a:rPr lang="en-US" dirty="0">
+                <a:solidFill>
+                  <a:schemeClr val="bg1"/>
+                </a:solidFill>
+                <a:latin typeface="Consolas" charset="0"/>
+              </a:rPr>
+              <a:t> AS</a:t>
+            </a:r>
+          </a:p>
+          <a:p>
+            <a:pPr marL="0" indent="0">
+              <a:lnSpc>
+                <a:spcPct val="120000"/>
+              </a:lnSpc>
+              <a:buNone/>
+            </a:pPr>
+            <a:r>
+              <a:rPr lang="en-US" dirty="0">
+                <a:solidFill>
+                  <a:schemeClr val="bg1"/>
+                </a:solidFill>
+                <a:latin typeface="Consolas" charset="0"/>
+              </a:rPr>
+              <a:t>  CURSOR </a:t>
+            </a:r>
+            <a:r>
+              <a:rPr lang="en-US" dirty="0" err="1">
+                <a:solidFill>
+                  <a:schemeClr val="bg1"/>
+                </a:solidFill>
+                <a:latin typeface="Consolas" charset="0"/>
+              </a:rPr>
+              <a:t>top_item</a:t>
+            </a:r>
+            <a:r>
+              <a:rPr lang="en-US" dirty="0">
+                <a:solidFill>
+                  <a:schemeClr val="bg1"/>
+                </a:solidFill>
+                <a:latin typeface="Consolas" charset="0"/>
+              </a:rPr>
+              <a:t> IS</a:t>
+            </a:r>
+          </a:p>
+          <a:p>
+            <a:pPr marL="0" indent="0">
+              <a:lnSpc>
+                <a:spcPct val="120000"/>
+              </a:lnSpc>
+              <a:buNone/>
+            </a:pPr>
+            <a:r>
+              <a:rPr lang="en-US" dirty="0">
+                <a:solidFill>
+                  <a:schemeClr val="bg1"/>
+                </a:solidFill>
+                <a:latin typeface="Consolas" charset="0"/>
+              </a:rPr>
+              <a:t>    SELECT "ITEM"."</a:t>
+            </a:r>
+            <a:r>
+              <a:rPr lang="en-US" dirty="0" err="1">
+                <a:solidFill>
+                  <a:schemeClr val="bg1"/>
+                </a:solidFill>
+                <a:latin typeface="Consolas" charset="0"/>
+              </a:rPr>
+              <a:t>ItemName</a:t>
+            </a:r>
+            <a:r>
+              <a:rPr lang="en-US" dirty="0">
+                <a:solidFill>
+                  <a:schemeClr val="bg1"/>
+                </a:solidFill>
+                <a:latin typeface="Consolas" charset="0"/>
+              </a:rPr>
+              <a:t>" AS "Name", "ORDER"."</a:t>
+            </a:r>
+            <a:r>
+              <a:rPr lang="en-US" dirty="0" err="1">
+                <a:solidFill>
+                  <a:schemeClr val="bg1"/>
+                </a:solidFill>
+                <a:latin typeface="Consolas" charset="0"/>
+              </a:rPr>
+              <a:t>ItemSKU</a:t>
+            </a:r>
+            <a:r>
+              <a:rPr lang="en-US" dirty="0">
+                <a:solidFill>
+                  <a:schemeClr val="bg1"/>
+                </a:solidFill>
+                <a:latin typeface="Consolas" charset="0"/>
+              </a:rPr>
+              <a:t>" AS "SKU", SUM("</a:t>
+            </a:r>
+            <a:r>
+              <a:rPr lang="en-US" dirty="0" err="1">
+                <a:solidFill>
+                  <a:schemeClr val="bg1"/>
+                </a:solidFill>
+                <a:latin typeface="Consolas" charset="0"/>
+              </a:rPr>
+              <a:t>ORDER"."Quantity</a:t>
+            </a:r>
+            <a:r>
+              <a:rPr lang="en-US" dirty="0">
+                <a:solidFill>
+                  <a:schemeClr val="bg1"/>
+                </a:solidFill>
+                <a:latin typeface="Consolas" charset="0"/>
+              </a:rPr>
+              <a:t>") AS "Quantity"</a:t>
+            </a:r>
+          </a:p>
+          <a:p>
+            <a:pPr marL="0" indent="0">
+              <a:lnSpc>
+                <a:spcPct val="120000"/>
+              </a:lnSpc>
+              <a:buNone/>
+            </a:pPr>
+            <a:r>
+              <a:rPr lang="en-US" dirty="0">
+                <a:solidFill>
+                  <a:schemeClr val="bg1"/>
+                </a:solidFill>
+                <a:latin typeface="Consolas" charset="0"/>
+              </a:rPr>
+              <a:t>      FROM "ORDER" INNER JOIN "ITEM" ON "ITEM"."</a:t>
+            </a:r>
+            <a:r>
+              <a:rPr lang="en-US" dirty="0" err="1">
+                <a:solidFill>
+                  <a:schemeClr val="bg1"/>
+                </a:solidFill>
+                <a:latin typeface="Consolas" charset="0"/>
+              </a:rPr>
+              <a:t>ItemSKU</a:t>
+            </a:r>
+            <a:r>
+              <a:rPr lang="en-US" dirty="0">
+                <a:solidFill>
+                  <a:schemeClr val="bg1"/>
+                </a:solidFill>
+                <a:latin typeface="Consolas" charset="0"/>
+              </a:rPr>
+              <a:t>" = "ORDER"."</a:t>
+            </a:r>
+            <a:r>
+              <a:rPr lang="en-US" dirty="0" err="1">
+                <a:solidFill>
+                  <a:schemeClr val="bg1"/>
+                </a:solidFill>
+                <a:latin typeface="Consolas" charset="0"/>
+              </a:rPr>
+              <a:t>ItemSKU</a:t>
+            </a:r>
+            <a:r>
+              <a:rPr lang="en-US" dirty="0">
+                <a:solidFill>
+                  <a:schemeClr val="bg1"/>
+                </a:solidFill>
+                <a:latin typeface="Consolas" charset="0"/>
+              </a:rPr>
+              <a:t>" WHERE "</a:t>
+            </a:r>
+            <a:r>
+              <a:rPr lang="en-US" dirty="0" err="1">
+                <a:solidFill>
+                  <a:schemeClr val="bg1"/>
+                </a:solidFill>
+                <a:latin typeface="Consolas" charset="0"/>
+              </a:rPr>
+              <a:t>ORDER"."Date</a:t>
+            </a:r>
+            <a:r>
+              <a:rPr lang="en-US" dirty="0">
+                <a:solidFill>
+                  <a:schemeClr val="bg1"/>
+                </a:solidFill>
+                <a:latin typeface="Consolas" charset="0"/>
+              </a:rPr>
+              <a:t>" &gt; SYSDATE - 365</a:t>
+            </a:r>
+          </a:p>
+          <a:p>
+            <a:pPr marL="0" indent="0">
+              <a:lnSpc>
+                <a:spcPct val="120000"/>
+              </a:lnSpc>
+              <a:buNone/>
+            </a:pPr>
+            <a:r>
+              <a:rPr lang="en-US" dirty="0">
+                <a:solidFill>
+                  <a:schemeClr val="bg1"/>
+                </a:solidFill>
+                <a:latin typeface="Consolas" charset="0"/>
+              </a:rPr>
+              <a:t>      GROUP BY "ORDER"."</a:t>
+            </a:r>
+            <a:r>
+              <a:rPr lang="en-US" dirty="0" err="1">
+                <a:solidFill>
+                  <a:schemeClr val="bg1"/>
+                </a:solidFill>
+                <a:latin typeface="Consolas" charset="0"/>
+              </a:rPr>
+              <a:t>ItemSKU</a:t>
+            </a:r>
+            <a:r>
+              <a:rPr lang="en-US" dirty="0">
+                <a:solidFill>
+                  <a:schemeClr val="bg1"/>
+                </a:solidFill>
+                <a:latin typeface="Consolas" charset="0"/>
+              </a:rPr>
+              <a:t>", "ITEM"."</a:t>
+            </a:r>
+            <a:r>
+              <a:rPr lang="en-US" dirty="0" err="1">
+                <a:solidFill>
+                  <a:schemeClr val="bg1"/>
+                </a:solidFill>
+                <a:latin typeface="Consolas" charset="0"/>
+              </a:rPr>
+              <a:t>ItemName</a:t>
+            </a:r>
+            <a:r>
+              <a:rPr lang="en-US" dirty="0">
+                <a:solidFill>
+                  <a:schemeClr val="bg1"/>
+                </a:solidFill>
+                <a:latin typeface="Consolas" charset="0"/>
+              </a:rPr>
+              <a:t>" ORDER BY "Quantity" DESC;</a:t>
+            </a:r>
+          </a:p>
+          <a:p>
+            <a:pPr marL="0" indent="0">
+              <a:lnSpc>
+                <a:spcPct val="120000"/>
+              </a:lnSpc>
+              <a:buNone/>
+            </a:pPr>
+            <a:r>
+              <a:rPr lang="en-US" dirty="0">
+                <a:solidFill>
+                  <a:schemeClr val="bg1"/>
+                </a:solidFill>
+                <a:latin typeface="Consolas" charset="0"/>
+              </a:rPr>
+              <a:t>  </a:t>
+            </a:r>
+            <a:r>
+              <a:rPr lang="en-US" dirty="0" err="1">
+                <a:solidFill>
+                  <a:schemeClr val="bg1"/>
+                </a:solidFill>
+                <a:latin typeface="Consolas" charset="0"/>
+              </a:rPr>
+              <a:t>top_item_row</a:t>
+            </a:r>
+            <a:r>
+              <a:rPr lang="en-US" dirty="0">
+                <a:solidFill>
+                  <a:schemeClr val="bg1"/>
+                </a:solidFill>
+                <a:latin typeface="Consolas" charset="0"/>
+              </a:rPr>
+              <a:t> </a:t>
+            </a:r>
+            <a:r>
+              <a:rPr lang="en-US" dirty="0" err="1">
+                <a:solidFill>
+                  <a:schemeClr val="bg1"/>
+                </a:solidFill>
+                <a:latin typeface="Consolas" charset="0"/>
+              </a:rPr>
+              <a:t>top_item%ROWTYPE</a:t>
+            </a:r>
+            <a:r>
+              <a:rPr lang="en-US" dirty="0">
+                <a:solidFill>
+                  <a:schemeClr val="bg1"/>
+                </a:solidFill>
+                <a:latin typeface="Consolas" charset="0"/>
+              </a:rPr>
+              <a:t>;</a:t>
+            </a:r>
+          </a:p>
+          <a:p>
+            <a:pPr marL="0" indent="0">
+              <a:lnSpc>
+                <a:spcPct val="120000"/>
+              </a:lnSpc>
+              <a:buNone/>
+            </a:pPr>
+            <a:r>
+              <a:rPr lang="en-US" dirty="0">
+                <a:solidFill>
+                  <a:schemeClr val="bg1"/>
+                </a:solidFill>
+                <a:latin typeface="Consolas" charset="0"/>
+              </a:rPr>
+              <a:t>BEGIN</a:t>
+            </a:r>
+          </a:p>
+          <a:p>
+            <a:pPr marL="0" indent="0">
+              <a:lnSpc>
+                <a:spcPct val="120000"/>
+              </a:lnSpc>
+              <a:buNone/>
+            </a:pPr>
+            <a:r>
+              <a:rPr lang="en-US" dirty="0">
+                <a:solidFill>
+                  <a:schemeClr val="bg1"/>
+                </a:solidFill>
+                <a:latin typeface="Consolas" charset="0"/>
+              </a:rPr>
+              <a:t>  OPEN </a:t>
+            </a:r>
+            <a:r>
+              <a:rPr lang="en-US" dirty="0" err="1">
+                <a:solidFill>
+                  <a:schemeClr val="bg1"/>
+                </a:solidFill>
+                <a:latin typeface="Consolas" charset="0"/>
+              </a:rPr>
+              <a:t>top_item</a:t>
+            </a:r>
+            <a:r>
+              <a:rPr lang="en-US" dirty="0">
+                <a:solidFill>
+                  <a:schemeClr val="bg1"/>
+                </a:solidFill>
+                <a:latin typeface="Consolas" charset="0"/>
+              </a:rPr>
+              <a:t>;</a:t>
+            </a:r>
+          </a:p>
+          <a:p>
+            <a:pPr marL="0" indent="0">
+              <a:lnSpc>
+                <a:spcPct val="120000"/>
+              </a:lnSpc>
+              <a:buNone/>
+            </a:pPr>
+            <a:r>
+              <a:rPr lang="en-US" dirty="0">
+                <a:solidFill>
+                  <a:schemeClr val="bg1"/>
+                </a:solidFill>
+                <a:latin typeface="Consolas" charset="0"/>
+              </a:rPr>
+              <a:t>  LOOP</a:t>
+            </a:r>
+          </a:p>
+          <a:p>
+            <a:pPr marL="0" indent="0">
+              <a:lnSpc>
+                <a:spcPct val="120000"/>
+              </a:lnSpc>
+              <a:buNone/>
+            </a:pPr>
+            <a:r>
+              <a:rPr lang="en-US" dirty="0">
+                <a:solidFill>
+                  <a:schemeClr val="bg1"/>
+                </a:solidFill>
+                <a:latin typeface="Consolas" charset="0"/>
+              </a:rPr>
+              <a:t>    FETCH </a:t>
+            </a:r>
+            <a:r>
+              <a:rPr lang="en-US" dirty="0" err="1">
+                <a:solidFill>
+                  <a:schemeClr val="bg1"/>
+                </a:solidFill>
+                <a:latin typeface="Consolas" charset="0"/>
+              </a:rPr>
+              <a:t>top_item</a:t>
+            </a:r>
+            <a:r>
+              <a:rPr lang="en-US" dirty="0">
+                <a:solidFill>
+                  <a:schemeClr val="bg1"/>
+                </a:solidFill>
+                <a:latin typeface="Consolas" charset="0"/>
+              </a:rPr>
+              <a:t> INTO </a:t>
+            </a:r>
+            <a:r>
+              <a:rPr lang="en-US" dirty="0" err="1">
+                <a:solidFill>
+                  <a:schemeClr val="bg1"/>
+                </a:solidFill>
+                <a:latin typeface="Consolas" charset="0"/>
+              </a:rPr>
+              <a:t>top_item_row</a:t>
+            </a:r>
+            <a:r>
+              <a:rPr lang="en-US" dirty="0">
+                <a:solidFill>
+                  <a:schemeClr val="bg1"/>
+                </a:solidFill>
+                <a:latin typeface="Consolas" charset="0"/>
+              </a:rPr>
+              <a:t>;</a:t>
+            </a:r>
+          </a:p>
+          <a:p>
+            <a:pPr marL="0" indent="0">
+              <a:lnSpc>
+                <a:spcPct val="120000"/>
+              </a:lnSpc>
+              <a:buNone/>
+            </a:pPr>
+            <a:r>
+              <a:rPr lang="en-US" dirty="0">
+                <a:solidFill>
+                  <a:schemeClr val="bg1"/>
+                </a:solidFill>
+                <a:latin typeface="Consolas" charset="0"/>
+              </a:rPr>
+              <a:t>    EXIT WHEN </a:t>
+            </a:r>
+            <a:r>
+              <a:rPr lang="en-US" dirty="0" err="1">
+                <a:solidFill>
+                  <a:schemeClr val="bg1"/>
+                </a:solidFill>
+                <a:latin typeface="Consolas" charset="0"/>
+              </a:rPr>
+              <a:t>top_item%NOTFOUND</a:t>
+            </a:r>
+            <a:r>
+              <a:rPr lang="en-US" dirty="0">
+                <a:solidFill>
+                  <a:schemeClr val="bg1"/>
+                </a:solidFill>
+                <a:latin typeface="Consolas" charset="0"/>
+              </a:rPr>
+              <a:t>;</a:t>
+            </a:r>
+          </a:p>
+          <a:p>
+            <a:pPr marL="0" indent="0">
+              <a:lnSpc>
+                <a:spcPct val="120000"/>
+              </a:lnSpc>
+              <a:buNone/>
+            </a:pPr>
+            <a:r>
+              <a:rPr lang="en-US" dirty="0">
+                <a:solidFill>
+                  <a:schemeClr val="bg1"/>
+                </a:solidFill>
+                <a:latin typeface="Consolas" charset="0"/>
+              </a:rPr>
+              <a:t>    DBMS_OUTPUT.PUT_LINE('The item "'||</a:t>
+            </a:r>
+            <a:r>
+              <a:rPr lang="en-US" dirty="0" err="1">
+                <a:solidFill>
+                  <a:schemeClr val="bg1"/>
+                </a:solidFill>
+                <a:latin typeface="Consolas" charset="0"/>
+              </a:rPr>
+              <a:t>top_item_row."Name</a:t>
+            </a:r>
+            <a:r>
+              <a:rPr lang="en-US" dirty="0">
+                <a:solidFill>
+                  <a:schemeClr val="bg1"/>
+                </a:solidFill>
+                <a:latin typeface="Consolas" charset="0"/>
+              </a:rPr>
+              <a:t>"||</a:t>
+            </a:r>
+          </a:p>
+          <a:p>
+            <a:pPr marL="0" indent="0">
+              <a:lnSpc>
+                <a:spcPct val="120000"/>
+              </a:lnSpc>
+              <a:buNone/>
+            </a:pPr>
+            <a:r>
+              <a:rPr lang="en-US" dirty="0">
+                <a:solidFill>
+                  <a:schemeClr val="bg1"/>
+                </a:solidFill>
+                <a:latin typeface="Consolas" charset="0"/>
+              </a:rPr>
+              <a:t>      '" has been purchased '||</a:t>
+            </a:r>
+            <a:r>
+              <a:rPr lang="en-US" dirty="0" err="1">
+                <a:solidFill>
+                  <a:schemeClr val="bg1"/>
+                </a:solidFill>
+                <a:latin typeface="Consolas" charset="0"/>
+              </a:rPr>
+              <a:t>top_item_row."Quantity</a:t>
+            </a:r>
+            <a:r>
+              <a:rPr lang="en-US" dirty="0">
+                <a:solidFill>
+                  <a:schemeClr val="bg1"/>
+                </a:solidFill>
+                <a:latin typeface="Consolas" charset="0"/>
+              </a:rPr>
+              <a:t>" ||' times.');</a:t>
+            </a:r>
+          </a:p>
+          <a:p>
+            <a:pPr marL="0" indent="0">
+              <a:lnSpc>
+                <a:spcPct val="120000"/>
+              </a:lnSpc>
+              <a:buNone/>
+            </a:pPr>
+            <a:r>
+              <a:rPr lang="en-US" dirty="0">
+                <a:solidFill>
+                  <a:schemeClr val="bg1"/>
+                </a:solidFill>
+                <a:latin typeface="Consolas" charset="0"/>
+              </a:rPr>
+              <a:t>  END LOOP;</a:t>
+            </a:r>
+          </a:p>
+          <a:p>
+            <a:pPr marL="0" indent="0">
+              <a:lnSpc>
+                <a:spcPct val="120000"/>
+              </a:lnSpc>
+              <a:buNone/>
+            </a:pPr>
+            <a:r>
+              <a:rPr lang="en-US" dirty="0">
+                <a:solidFill>
+                  <a:schemeClr val="bg1"/>
+                </a:solidFill>
+                <a:latin typeface="Consolas" charset="0"/>
+              </a:rPr>
+              <a:t>  CLOSE </a:t>
+            </a:r>
+            <a:r>
+              <a:rPr lang="en-US" dirty="0" err="1">
+                <a:solidFill>
+                  <a:schemeClr val="bg1"/>
+                </a:solidFill>
+                <a:latin typeface="Consolas" charset="0"/>
+              </a:rPr>
+              <a:t>top_item</a:t>
+            </a:r>
+            <a:r>
+              <a:rPr lang="en-US" dirty="0">
+                <a:solidFill>
+                  <a:schemeClr val="bg1"/>
+                </a:solidFill>
+                <a:latin typeface="Consolas" charset="0"/>
+              </a:rPr>
+              <a:t>;</a:t>
+            </a:r>
+          </a:p>
+          <a:p>
+            <a:pPr marL="0" indent="0">
+              <a:lnSpc>
+                <a:spcPct val="120000"/>
+              </a:lnSpc>
+              <a:buNone/>
+            </a:pPr>
+            <a:r>
+              <a:rPr lang="en-US" dirty="0">
+                <a:solidFill>
+                  <a:schemeClr val="bg1"/>
+                </a:solidFill>
+                <a:latin typeface="Consolas" charset="0"/>
+              </a:rPr>
+              <a:t>END</a:t>
+            </a:r>
+            <a:r>
+              <a:rPr lang="en-US" dirty="0" smtClean="0">
+                <a:solidFill>
+                  <a:schemeClr val="bg1"/>
+                </a:solidFill>
+                <a:latin typeface="Consolas" charset="0"/>
+              </a:rPr>
+              <a:t>;</a:t>
+            </a:r>
+            <a:endParaRPr lang="en-US" dirty="0">
+              <a:solidFill>
+                <a:schemeClr val="bg1"/>
+              </a:solidFill>
+              <a:latin typeface="Consolas" charset="0"/>
+            </a:endParaRPr>
           </a:p>
         </p:txBody>
       </p:sp>
     </p:spTree>
     <p:extLst>
       <p:ext uri="{BB962C8B-B14F-4D97-AF65-F5344CB8AC3E}">
-        <p14:creationId xmlns:p14="http://schemas.microsoft.com/office/powerpoint/2010/main" val="23689981"/>
+        <p14:creationId xmlns:p14="http://schemas.microsoft.com/office/powerpoint/2010/main" val="337387119"/>
       </p:ext>
     </p:extLst>
   </p:cSld>

--- a/database_architecture/retail_mgmg_system/CS579 Project Presentation.pptx
+++ b/database_architecture/retail_mgmg_system/CS579 Project Presentation.pptx
@@ -11,6 +11,7 @@
     <p:sldId id="267" r:id="rId5"/>
     <p:sldId id="263" r:id="rId6"/>
     <p:sldId id="268" r:id="rId7"/>
+    <p:sldId id="269" r:id="rId8"/>
   </p:sldIdLst>
   <p:sldSz cx="12192000" cy="6858000"/>
   <p:notesSz cx="6858000" cy="9144000"/>
@@ -6441,7 +6442,7 @@
                 <a:alpha val="40000"/>
               </a:schemeClr>
             </a:glow>
-            <a:reflection blurRad="25400" stA="50000" endA="275" endPos="40000" dist="101600" dir="5400000" sy="-100000" algn="bl" rotWithShape="0"/>
+            <a:reflection blurRad="25400" stA="50000" endA="275" endPos="40000" dist="304800" dir="5400000" sy="-100000" algn="bl" rotWithShape="0"/>
             <a:softEdge rad="31750"/>
           </a:effectLst>
           <a:extLst>
@@ -6624,7 +6625,7 @@
                 <a:alpha val="40000"/>
               </a:schemeClr>
             </a:glow>
-            <a:reflection blurRad="25400" stA="50000" endA="275" endPos="40000" dist="101600" dir="5400000" sy="-100000" algn="bl" rotWithShape="0"/>
+            <a:reflection blurRad="25400" stA="50000" endA="275" endPos="40000" dist="304800" dir="5400000" sy="-100000" algn="bl" rotWithShape="0"/>
             <a:softEdge rad="31750"/>
           </a:effectLst>
           <a:extLst>
@@ -6718,13 +6719,13 @@
                 <a:alpha val="40000"/>
               </a:schemeClr>
             </a:glow>
-            <a:reflection blurRad="25400" stA="50000" endA="275" endPos="40000" dist="101600" dir="5400000" sy="-100000" algn="bl" rotWithShape="0"/>
+            <a:reflection blurRad="25400" stA="50000" endA="275" endPos="40000" dist="304800" dir="5400000" sy="-100000" algn="bl" rotWithShape="0"/>
             <a:softEdge rad="31750"/>
           </a:effectLst>
         </p:spPr>
         <p:txBody>
           <a:bodyPr anchor="ctr" anchorCtr="1">
-            <a:normAutofit fontScale="40000" lnSpcReduction="20000"/>
+            <a:normAutofit fontScale="55000" lnSpcReduction="20000"/>
           </a:bodyPr>
           <a:lstStyle/>
           <a:p>
@@ -8481,7 +8482,7 @@
                 <a:alpha val="40000"/>
               </a:schemeClr>
             </a:glow>
-            <a:reflection blurRad="6350" stA="50000" endA="275" endPos="40000" dist="101600" dir="5400000" sy="-100000" algn="bl" rotWithShape="0"/>
+            <a:reflection blurRad="25400" stA="50000" endA="275" endPos="40000" dist="304800" dir="5400000" sy="-100000" algn="bl" rotWithShape="0"/>
             <a:softEdge rad="31750"/>
           </a:effectLst>
         </p:spPr>
@@ -9132,7 +9133,7 @@
                 <a:alpha val="40000"/>
               </a:schemeClr>
             </a:glow>
-            <a:reflection blurRad="6350" stA="50000" endA="275" endPos="40000" dist="101600" dir="5400000" sy="-100000" algn="bl" rotWithShape="0"/>
+            <a:reflection blurRad="25400" stA="50000" endA="275" endPos="40000" dist="304800" dir="5400000" sy="-100000" algn="bl" rotWithShape="0"/>
             <a:softEdge rad="31750"/>
           </a:effectLst>
         </p:spPr>
@@ -9772,12 +9773,6 @@
               </a:rPr>
               <a:t>;</a:t>
             </a:r>
-            <a:endParaRPr lang="en-US" dirty="0">
-              <a:solidFill>
-                <a:schemeClr val="bg1"/>
-              </a:solidFill>
-              <a:latin typeface="Consolas" charset="0"/>
-            </a:endParaRPr>
           </a:p>
         </p:txBody>
       </p:sp>
@@ -9791,6 +9786,74 @@
   <p:clrMapOvr>
     <a:masterClrMapping/>
   </p:clrMapOvr>
+  <p:timing>
+    <p:tnLst>
+      <p:par>
+        <p:cTn id="1" dur="indefinite" restart="never" nodeType="tmRoot"/>
+      </p:par>
+    </p:tnLst>
+  </p:timing>
+</p:sld>
+</file>
+
+<file path=ppt/slides/slide7.xml><?xml version="1.0" encoding="utf-8"?>
+<p:sld xmlns:a="http://schemas.openxmlformats.org/drawingml/2006/main" xmlns:r="http://schemas.openxmlformats.org/officeDocument/2006/relationships" xmlns:p="http://schemas.openxmlformats.org/presentationml/2006/main">
+  <p:cSld>
+    <p:spTree>
+      <p:nvGrpSpPr>
+        <p:cNvPr id="1" name=""/>
+        <p:cNvGrpSpPr/>
+        <p:nvPr/>
+      </p:nvGrpSpPr>
+      <p:grpSpPr>
+        <a:xfrm>
+          <a:off x="0" y="0"/>
+          <a:ext cx="0" cy="0"/>
+          <a:chOff x="0" y="0"/>
+          <a:chExt cx="0" cy="0"/>
+        </a:xfrm>
+      </p:grpSpPr>
+      <p:sp>
+        <p:nvSpPr>
+          <p:cNvPr id="2" name="Title 1"/>
+          <p:cNvSpPr>
+            <a:spLocks noGrp="1"/>
+          </p:cNvSpPr>
+          <p:nvPr>
+            <p:ph type="title"/>
+          </p:nvPr>
+        </p:nvSpPr>
+        <p:spPr/>
+        <p:txBody>
+          <a:bodyPr/>
+          <a:lstStyle/>
+          <a:p>
+            <a:r>
+              <a:rPr lang="en-US" dirty="0" smtClean="0"/>
+              <a:t>Questions?</a:t>
+            </a:r>
+            <a:endParaRPr lang="en-US" dirty="0"/>
+          </a:p>
+        </p:txBody>
+      </p:sp>
+    </p:spTree>
+    <p:extLst>
+      <p:ext uri="{BB962C8B-B14F-4D97-AF65-F5344CB8AC3E}">
+        <p14:creationId xmlns:p14="http://schemas.microsoft.com/office/powerpoint/2010/main" val="283592972"/>
+      </p:ext>
+    </p:extLst>
+  </p:cSld>
+  <p:clrMapOvr>
+    <a:masterClrMapping/>
+  </p:clrMapOvr>
+  <mc:AlternateContent xmlns:mc="http://schemas.openxmlformats.org/markup-compatibility/2006">
+    <mc:Choice xmlns:p14="http://schemas.microsoft.com/office/powerpoint/2010/main" Requires="p14">
+      <p:transition spd="slow" p14:dur="2000"/>
+    </mc:Choice>
+    <mc:Fallback>
+      <p:transition spd="slow"/>
+    </mc:Fallback>
+  </mc:AlternateContent>
   <p:timing>
     <p:tnLst>
       <p:par>
